--- a/NLPFinalDeck.pptx
+++ b/NLPFinalDeck.pptx
@@ -2426,47 +2426,6 @@
         </a:p>
       </dgm:t>
     </dgm:pt>
-    <dgm:pt modelId="{86C0B7B6-3754-4349-9C51-5E9F2C99F2AF}">
-      <dgm:prSet/>
-      <dgm:spPr/>
-      <dgm:t>
-        <a:bodyPr/>
-        <a:lstStyle/>
-        <a:p>
-          <a:pPr>
-            <a:lnSpc>
-              <a:spcPct val="100000"/>
-            </a:lnSpc>
-          </a:pPr>
-          <a:r>
-            <a:rPr lang="en-US" dirty="0"/>
-            <a:t>I still have some confusion surrounding the best way to assess models both against each other, and against the baseline, especially when using multi-class classification</a:t>
-          </a:r>
-        </a:p>
-      </dgm:t>
-    </dgm:pt>
-    <dgm:pt modelId="{1C0AEAA7-B80D-403A-9C42-024462BCB7E0}" type="parTrans" cxnId="{2780C6A6-B262-4ADD-9DFD-804CA69AE0C9}">
-      <dgm:prSet/>
-      <dgm:spPr/>
-      <dgm:t>
-        <a:bodyPr/>
-        <a:lstStyle/>
-        <a:p>
-          <a:endParaRPr lang="en-US"/>
-        </a:p>
-      </dgm:t>
-    </dgm:pt>
-    <dgm:pt modelId="{DC890F2C-9EF1-4D27-8555-EF24F1CFD312}" type="sibTrans" cxnId="{2780C6A6-B262-4ADD-9DFD-804CA69AE0C9}">
-      <dgm:prSet/>
-      <dgm:spPr/>
-      <dgm:t>
-        <a:bodyPr/>
-        <a:lstStyle/>
-        <a:p>
-          <a:endParaRPr lang="en-US"/>
-        </a:p>
-      </dgm:t>
-    </dgm:pt>
     <dgm:pt modelId="{6B293E21-658C-48A6-B554-DA1DFADF31B0}" type="pres">
       <dgm:prSet presAssocID="{B5B7A29F-D407-487E-9CC4-2CC5F5ED399A}" presName="root" presStyleCnt="0">
         <dgm:presLayoutVars>
@@ -2481,11 +2440,11 @@
       <dgm:spPr/>
     </dgm:pt>
     <dgm:pt modelId="{7FB0F598-DDDD-4995-9B91-C5590328D02F}" type="pres">
-      <dgm:prSet presAssocID="{530C6884-E166-4E6A-9779-7F3E2A642E9F}" presName="bgRect" presStyleLbl="bgShp" presStyleIdx="0" presStyleCnt="3"/>
+      <dgm:prSet presAssocID="{530C6884-E166-4E6A-9779-7F3E2A642E9F}" presName="bgRect" presStyleLbl="bgShp" presStyleIdx="0" presStyleCnt="2"/>
       <dgm:spPr/>
     </dgm:pt>
     <dgm:pt modelId="{D73C9D8C-696D-4614-914D-D9EE85086675}" type="pres">
-      <dgm:prSet presAssocID="{530C6884-E166-4E6A-9779-7F3E2A642E9F}" presName="iconRect" presStyleLbl="node1" presStyleIdx="0" presStyleCnt="3"/>
+      <dgm:prSet presAssocID="{530C6884-E166-4E6A-9779-7F3E2A642E9F}" presName="iconRect" presStyleLbl="node1" presStyleIdx="0" presStyleCnt="2"/>
       <dgm:spPr>
         <a:blipFill>
           <a:blip xmlns:r="http://schemas.openxmlformats.org/officeDocument/2006/relationships" r:embed="rId1">
@@ -2518,7 +2477,7 @@
       <dgm:spPr/>
     </dgm:pt>
     <dgm:pt modelId="{0DF19357-03AF-4E57-83F1-A9FF00AF1C64}" type="pres">
-      <dgm:prSet presAssocID="{530C6884-E166-4E6A-9779-7F3E2A642E9F}" presName="parTx" presStyleLbl="revTx" presStyleIdx="0" presStyleCnt="3">
+      <dgm:prSet presAssocID="{530C6884-E166-4E6A-9779-7F3E2A642E9F}" presName="parTx" presStyleLbl="revTx" presStyleIdx="0" presStyleCnt="2">
         <dgm:presLayoutVars>
           <dgm:chMax val="0"/>
           <dgm:chPref val="0"/>
@@ -2535,11 +2494,11 @@
       <dgm:spPr/>
     </dgm:pt>
     <dgm:pt modelId="{2BCD7665-70DC-4D23-BA42-9DD35575C26C}" type="pres">
-      <dgm:prSet presAssocID="{A3963671-3D17-4151-9896-C11ACFE834CC}" presName="bgRect" presStyleLbl="bgShp" presStyleIdx="1" presStyleCnt="3"/>
+      <dgm:prSet presAssocID="{A3963671-3D17-4151-9896-C11ACFE834CC}" presName="bgRect" presStyleLbl="bgShp" presStyleIdx="1" presStyleCnt="2"/>
       <dgm:spPr/>
     </dgm:pt>
     <dgm:pt modelId="{7F04AD81-78AF-4746-AF1D-1B14C1032C64}" type="pres">
-      <dgm:prSet presAssocID="{A3963671-3D17-4151-9896-C11ACFE834CC}" presName="iconRect" presStyleLbl="node1" presStyleIdx="1" presStyleCnt="3"/>
+      <dgm:prSet presAssocID="{A3963671-3D17-4151-9896-C11ACFE834CC}" presName="iconRect" presStyleLbl="node1" presStyleIdx="1" presStyleCnt="2"/>
       <dgm:spPr>
         <a:blipFill rotWithShape="1">
           <a:blip xmlns:r="http://schemas.openxmlformats.org/officeDocument/2006/relationships" r:embed="rId3">
@@ -2572,60 +2531,7 @@
       <dgm:spPr/>
     </dgm:pt>
     <dgm:pt modelId="{83545B06-FF5C-46A2-AC58-6809B5A0BD9D}" type="pres">
-      <dgm:prSet presAssocID="{A3963671-3D17-4151-9896-C11ACFE834CC}" presName="parTx" presStyleLbl="revTx" presStyleIdx="1" presStyleCnt="3">
-        <dgm:presLayoutVars>
-          <dgm:chMax val="0"/>
-          <dgm:chPref val="0"/>
-        </dgm:presLayoutVars>
-      </dgm:prSet>
-      <dgm:spPr/>
-    </dgm:pt>
-    <dgm:pt modelId="{F331B7F4-7E4E-48C5-83E2-2D26C3DE7134}" type="pres">
-      <dgm:prSet presAssocID="{39F1117A-6752-4780-9604-E4C8FAAEF3F7}" presName="sibTrans" presStyleCnt="0"/>
-      <dgm:spPr/>
-    </dgm:pt>
-    <dgm:pt modelId="{62003A12-BB0D-491E-8AC1-D51202295EE1}" type="pres">
-      <dgm:prSet presAssocID="{86C0B7B6-3754-4349-9C51-5E9F2C99F2AF}" presName="compNode" presStyleCnt="0"/>
-      <dgm:spPr/>
-    </dgm:pt>
-    <dgm:pt modelId="{E11C7C24-D4AC-457E-AF8E-8A6C7D55E331}" type="pres">
-      <dgm:prSet presAssocID="{86C0B7B6-3754-4349-9C51-5E9F2C99F2AF}" presName="bgRect" presStyleLbl="bgShp" presStyleIdx="2" presStyleCnt="3"/>
-      <dgm:spPr/>
-    </dgm:pt>
-    <dgm:pt modelId="{17EC496C-49C9-4C45-89DC-18992C3653C4}" type="pres">
-      <dgm:prSet presAssocID="{86C0B7B6-3754-4349-9C51-5E9F2C99F2AF}" presName="iconRect" presStyleLbl="node1" presStyleIdx="2" presStyleCnt="3"/>
-      <dgm:spPr>
-        <a:blipFill>
-          <a:blip xmlns:r="http://schemas.openxmlformats.org/officeDocument/2006/relationships" r:embed="rId5">
-            <a:extLst>
-              <a:ext uri="{28A0092B-C50C-407E-A947-70E740481C1C}">
-                <a14:useLocalDpi xmlns:a14="http://schemas.microsoft.com/office/drawing/2010/main" val="0"/>
-              </a:ext>
-              <a:ext uri="{96DAC541-7B7A-43D3-8B79-37D633B846F1}">
-                <asvg:svgBlip xmlns:asvg="http://schemas.microsoft.com/office/drawing/2016/SVG/main" r:embed="rId6"/>
-              </a:ext>
-            </a:extLst>
-          </a:blip>
-          <a:stretch>
-            <a:fillRect/>
-          </a:stretch>
-        </a:blipFill>
-        <a:ln>
-          <a:noFill/>
-        </a:ln>
-      </dgm:spPr>
-      <dgm:extLst>
-        <a:ext uri="{E40237B7-FDA0-4F09-8148-C483321AD2D9}">
-          <dgm14:cNvPr xmlns:dgm14="http://schemas.microsoft.com/office/drawing/2010/diagram" id="0" name="" descr="Question mark"/>
-        </a:ext>
-      </dgm:extLst>
-    </dgm:pt>
-    <dgm:pt modelId="{6D597443-4284-4AD9-8FAA-8E16655657BA}" type="pres">
-      <dgm:prSet presAssocID="{86C0B7B6-3754-4349-9C51-5E9F2C99F2AF}" presName="spaceRect" presStyleCnt="0"/>
-      <dgm:spPr/>
-    </dgm:pt>
-    <dgm:pt modelId="{60BD2EF1-153E-4FB7-8B82-F31117B7D786}" type="pres">
-      <dgm:prSet presAssocID="{86C0B7B6-3754-4349-9C51-5E9F2C99F2AF}" presName="parTx" presStyleLbl="revTx" presStyleIdx="2" presStyleCnt="3">
+      <dgm:prSet presAssocID="{A3963671-3D17-4151-9896-C11ACFE834CC}" presName="parTx" presStyleLbl="revTx" presStyleIdx="1" presStyleCnt="2">
         <dgm:presLayoutVars>
           <dgm:chMax val="0"/>
           <dgm:chPref val="0"/>
@@ -2636,8 +2542,6 @@
   </dgm:ptLst>
   <dgm:cxnLst>
     <dgm:cxn modelId="{37675A16-ACC1-4393-8154-E05201011ABF}" srcId="{B5B7A29F-D407-487E-9CC4-2CC5F5ED399A}" destId="{A3963671-3D17-4151-9896-C11ACFE834CC}" srcOrd="1" destOrd="0" parTransId="{0B9B1157-6EFB-46F4-AEA2-9C3168AF4BED}" sibTransId="{39F1117A-6752-4780-9604-E4C8FAAEF3F7}"/>
-    <dgm:cxn modelId="{17091596-23CF-419C-BF7C-AD3ACB8216BF}" type="presOf" srcId="{86C0B7B6-3754-4349-9C51-5E9F2C99F2AF}" destId="{60BD2EF1-153E-4FB7-8B82-F31117B7D786}" srcOrd="0" destOrd="0" presId="urn:microsoft.com/office/officeart/2018/2/layout/IconVerticalSolidList"/>
-    <dgm:cxn modelId="{2780C6A6-B262-4ADD-9DFD-804CA69AE0C9}" srcId="{B5B7A29F-D407-487E-9CC4-2CC5F5ED399A}" destId="{86C0B7B6-3754-4349-9C51-5E9F2C99F2AF}" srcOrd="2" destOrd="0" parTransId="{1C0AEAA7-B80D-403A-9C42-024462BCB7E0}" sibTransId="{DC890F2C-9EF1-4D27-8555-EF24F1CFD312}"/>
     <dgm:cxn modelId="{BFB66FB3-AF96-4A2F-BCE1-3F022089C81D}" type="presOf" srcId="{530C6884-E166-4E6A-9779-7F3E2A642E9F}" destId="{0DF19357-03AF-4E57-83F1-A9FF00AF1C64}" srcOrd="0" destOrd="0" presId="urn:microsoft.com/office/officeart/2018/2/layout/IconVerticalSolidList"/>
     <dgm:cxn modelId="{96511BB8-4359-4AE5-9626-D36D549F0C27}" srcId="{B5B7A29F-D407-487E-9CC4-2CC5F5ED399A}" destId="{530C6884-E166-4E6A-9779-7F3E2A642E9F}" srcOrd="0" destOrd="0" parTransId="{81B10197-6EE0-4AC7-81A4-7A142BB9FE28}" sibTransId="{C2A16B35-4A3C-4C12-AAB0-9C5C7D2D3AC2}"/>
     <dgm:cxn modelId="{CE5B13BD-3238-4DF8-9859-9726D5F1D60B}" type="presOf" srcId="{B5B7A29F-D407-487E-9CC4-2CC5F5ED399A}" destId="{6B293E21-658C-48A6-B554-DA1DFADF31B0}" srcOrd="0" destOrd="0" presId="urn:microsoft.com/office/officeart/2018/2/layout/IconVerticalSolidList"/>
@@ -2653,12 +2557,6 @@
     <dgm:cxn modelId="{F5D83C0C-A736-4A48-9DE2-CAD0F0B35E66}" type="presParOf" srcId="{913A1AB1-0299-49D0-9BFB-A8932A237F93}" destId="{7F04AD81-78AF-4746-AF1D-1B14C1032C64}" srcOrd="1" destOrd="0" presId="urn:microsoft.com/office/officeart/2018/2/layout/IconVerticalSolidList"/>
     <dgm:cxn modelId="{BB7AA6C3-5850-4B80-9F9A-F42F65848EB7}" type="presParOf" srcId="{913A1AB1-0299-49D0-9BFB-A8932A237F93}" destId="{9C90B443-7B37-4C19-8B88-EDA83F4F8F5B}" srcOrd="2" destOrd="0" presId="urn:microsoft.com/office/officeart/2018/2/layout/IconVerticalSolidList"/>
     <dgm:cxn modelId="{F8C7CD84-BFB7-4D9C-AFF3-58D9C4F8F1C4}" type="presParOf" srcId="{913A1AB1-0299-49D0-9BFB-A8932A237F93}" destId="{83545B06-FF5C-46A2-AC58-6809B5A0BD9D}" srcOrd="3" destOrd="0" presId="urn:microsoft.com/office/officeart/2018/2/layout/IconVerticalSolidList"/>
-    <dgm:cxn modelId="{FF0CC228-E938-431F-B547-04D2E0BBD8CE}" type="presParOf" srcId="{6B293E21-658C-48A6-B554-DA1DFADF31B0}" destId="{F331B7F4-7E4E-48C5-83E2-2D26C3DE7134}" srcOrd="3" destOrd="0" presId="urn:microsoft.com/office/officeart/2018/2/layout/IconVerticalSolidList"/>
-    <dgm:cxn modelId="{0CAC9916-11F3-4A84-AFEB-7B3C1D71C635}" type="presParOf" srcId="{6B293E21-658C-48A6-B554-DA1DFADF31B0}" destId="{62003A12-BB0D-491E-8AC1-D51202295EE1}" srcOrd="4" destOrd="0" presId="urn:microsoft.com/office/officeart/2018/2/layout/IconVerticalSolidList"/>
-    <dgm:cxn modelId="{BDF39C30-88DD-4FAA-BB58-89EBB65A60B3}" type="presParOf" srcId="{62003A12-BB0D-491E-8AC1-D51202295EE1}" destId="{E11C7C24-D4AC-457E-AF8E-8A6C7D55E331}" srcOrd="0" destOrd="0" presId="urn:microsoft.com/office/officeart/2018/2/layout/IconVerticalSolidList"/>
-    <dgm:cxn modelId="{5DC41AE1-0DC6-4528-BE71-E5A10FCA0078}" type="presParOf" srcId="{62003A12-BB0D-491E-8AC1-D51202295EE1}" destId="{17EC496C-49C9-4C45-89DC-18992C3653C4}" srcOrd="1" destOrd="0" presId="urn:microsoft.com/office/officeart/2018/2/layout/IconVerticalSolidList"/>
-    <dgm:cxn modelId="{A3F1DD79-546C-46A7-B828-E0DD15CA1DB7}" type="presParOf" srcId="{62003A12-BB0D-491E-8AC1-D51202295EE1}" destId="{6D597443-4284-4AD9-8FAA-8E16655657BA}" srcOrd="2" destOrd="0" presId="urn:microsoft.com/office/officeart/2018/2/layout/IconVerticalSolidList"/>
-    <dgm:cxn modelId="{4354FC37-157C-421D-A829-4FE6BFD8F4D5}" type="presParOf" srcId="{62003A12-BB0D-491E-8AC1-D51202295EE1}" destId="{60BD2EF1-153E-4FB7-8B82-F31117B7D786}" srcOrd="3" destOrd="0" presId="urn:microsoft.com/office/officeart/2018/2/layout/IconVerticalSolidList"/>
   </dgm:cxnLst>
   <dgm:bg/>
   <dgm:whole/>
@@ -3439,8 +3337,8 @@
       </dsp:nvSpPr>
       <dsp:spPr>
         <a:xfrm>
-          <a:off x="0" y="644"/>
-          <a:ext cx="6151562" cy="1507303"/>
+          <a:off x="0" y="857488"/>
+          <a:ext cx="6151562" cy="1583055"/>
         </a:xfrm>
         <a:prstGeom prst="roundRect">
           <a:avLst>
@@ -3480,8 +3378,8 @@
       </dsp:nvSpPr>
       <dsp:spPr>
         <a:xfrm>
-          <a:off x="455959" y="339787"/>
-          <a:ext cx="829016" cy="829016"/>
+          <a:off x="478874" y="1213675"/>
+          <a:ext cx="870680" cy="870680"/>
         </a:xfrm>
         <a:prstGeom prst="rect">
           <a:avLst/>
@@ -3530,8 +3428,8 @@
       </dsp:nvSpPr>
       <dsp:spPr>
         <a:xfrm>
-          <a:off x="1740935" y="644"/>
-          <a:ext cx="4410627" cy="1507303"/>
+          <a:off x="1828428" y="857488"/>
+          <a:ext cx="4323134" cy="1583055"/>
         </a:xfrm>
         <a:prstGeom prst="rect">
           <a:avLst/>
@@ -3555,7 +3453,7 @@
         <a:fontRef idx="minor"/>
       </dsp:style>
       <dsp:txBody>
-        <a:bodyPr spcFirstLastPara="0" vert="horz" wrap="square" lIns="159523" tIns="159523" rIns="159523" bIns="159523" numCol="1" spcCol="1270" anchor="ctr" anchorCtr="0">
+        <a:bodyPr spcFirstLastPara="0" vert="horz" wrap="square" lIns="167540" tIns="167540" rIns="167540" bIns="167540" numCol="1" spcCol="1270" anchor="ctr" anchorCtr="0">
           <a:noAutofit/>
         </a:bodyPr>
         <a:lstStyle/>
@@ -3579,8 +3477,8 @@
         </a:p>
       </dsp:txBody>
       <dsp:txXfrm>
-        <a:off x="1740935" y="644"/>
-        <a:ext cx="4410627" cy="1507303"/>
+        <a:off x="1828428" y="857488"/>
+        <a:ext cx="4323134" cy="1583055"/>
       </dsp:txXfrm>
     </dsp:sp>
     <dsp:sp modelId="{2BCD7665-70DC-4D23-BA42-9DD35575C26C}">
@@ -3590,8 +3488,8 @@
       </dsp:nvSpPr>
       <dsp:spPr>
         <a:xfrm>
-          <a:off x="0" y="1884773"/>
-          <a:ext cx="6151562" cy="1507303"/>
+          <a:off x="0" y="2836306"/>
+          <a:ext cx="6151562" cy="1583055"/>
         </a:xfrm>
         <a:prstGeom prst="roundRect">
           <a:avLst>
@@ -3631,8 +3529,8 @@
       </dsp:nvSpPr>
       <dsp:spPr>
         <a:xfrm>
-          <a:off x="455959" y="2223916"/>
-          <a:ext cx="829016" cy="829016"/>
+          <a:off x="478874" y="3192494"/>
+          <a:ext cx="870680" cy="870680"/>
         </a:xfrm>
         <a:prstGeom prst="rect">
           <a:avLst/>
@@ -3681,8 +3579,8 @@
       </dsp:nvSpPr>
       <dsp:spPr>
         <a:xfrm>
-          <a:off x="1740935" y="1884773"/>
-          <a:ext cx="4410627" cy="1507303"/>
+          <a:off x="1828428" y="2836306"/>
+          <a:ext cx="4323134" cy="1583055"/>
         </a:xfrm>
         <a:prstGeom prst="rect">
           <a:avLst/>
@@ -3706,7 +3604,7 @@
         <a:fontRef idx="minor"/>
       </dsp:style>
       <dsp:txBody>
-        <a:bodyPr spcFirstLastPara="0" vert="horz" wrap="square" lIns="159523" tIns="159523" rIns="159523" bIns="159523" numCol="1" spcCol="1270" anchor="ctr" anchorCtr="0">
+        <a:bodyPr spcFirstLastPara="0" vert="horz" wrap="square" lIns="167540" tIns="167540" rIns="167540" bIns="167540" numCol="1" spcCol="1270" anchor="ctr" anchorCtr="0">
           <a:noAutofit/>
         </a:bodyPr>
         <a:lstStyle/>
@@ -3730,158 +3628,8 @@
         </a:p>
       </dsp:txBody>
       <dsp:txXfrm>
-        <a:off x="1740935" y="1884773"/>
-        <a:ext cx="4410627" cy="1507303"/>
-      </dsp:txXfrm>
-    </dsp:sp>
-    <dsp:sp modelId="{E11C7C24-D4AC-457E-AF8E-8A6C7D55E331}">
-      <dsp:nvSpPr>
-        <dsp:cNvPr id="0" name=""/>
-        <dsp:cNvSpPr/>
-      </dsp:nvSpPr>
-      <dsp:spPr>
-        <a:xfrm>
-          <a:off x="0" y="3768902"/>
-          <a:ext cx="6151562" cy="1507303"/>
-        </a:xfrm>
-        <a:prstGeom prst="roundRect">
-          <a:avLst>
-            <a:gd name="adj" fmla="val 10000"/>
-          </a:avLst>
-        </a:prstGeom>
-        <a:solidFill>
-          <a:schemeClr val="accent4">
-            <a:hueOff val="0"/>
-            <a:satOff val="0"/>
-            <a:lumOff val="0"/>
-            <a:alphaOff val="0"/>
-          </a:schemeClr>
-        </a:solidFill>
-        <a:ln>
-          <a:noFill/>
-        </a:ln>
-        <a:effectLst/>
-      </dsp:spPr>
-      <dsp:style>
-        <a:lnRef idx="0">
-          <a:scrgbClr r="0" g="0" b="0"/>
-        </a:lnRef>
-        <a:fillRef idx="1">
-          <a:scrgbClr r="0" g="0" b="0"/>
-        </a:fillRef>
-        <a:effectRef idx="0">
-          <a:scrgbClr r="0" g="0" b="0"/>
-        </a:effectRef>
-        <a:fontRef idx="minor"/>
-      </dsp:style>
-    </dsp:sp>
-    <dsp:sp modelId="{17EC496C-49C9-4C45-89DC-18992C3653C4}">
-      <dsp:nvSpPr>
-        <dsp:cNvPr id="0" name=""/>
-        <dsp:cNvSpPr/>
-      </dsp:nvSpPr>
-      <dsp:spPr>
-        <a:xfrm>
-          <a:off x="455959" y="4108045"/>
-          <a:ext cx="829016" cy="829016"/>
-        </a:xfrm>
-        <a:prstGeom prst="rect">
-          <a:avLst/>
-        </a:prstGeom>
-        <a:blipFill>
-          <a:blip xmlns:r="http://schemas.openxmlformats.org/officeDocument/2006/relationships" r:embed="rId5">
-            <a:extLst>
-              <a:ext uri="{28A0092B-C50C-407E-A947-70E740481C1C}">
-                <a14:useLocalDpi xmlns:a14="http://schemas.microsoft.com/office/drawing/2010/main" val="0"/>
-              </a:ext>
-              <a:ext uri="{96DAC541-7B7A-43D3-8B79-37D633B846F1}">
-                <asvg:svgBlip xmlns:asvg="http://schemas.microsoft.com/office/drawing/2016/SVG/main" r:embed="rId6"/>
-              </a:ext>
-            </a:extLst>
-          </a:blip>
-          <a:stretch>
-            <a:fillRect/>
-          </a:stretch>
-        </a:blipFill>
-        <a:ln w="12700" cap="flat" cmpd="sng" algn="ctr">
-          <a:noFill/>
-          <a:prstDash val="solid"/>
-        </a:ln>
-        <a:effectLst/>
-      </dsp:spPr>
-      <dsp:style>
-        <a:lnRef idx="2">
-          <a:scrgbClr r="0" g="0" b="0"/>
-        </a:lnRef>
-        <a:fillRef idx="1">
-          <a:scrgbClr r="0" g="0" b="0"/>
-        </a:fillRef>
-        <a:effectRef idx="0">
-          <a:scrgbClr r="0" g="0" b="0"/>
-        </a:effectRef>
-        <a:fontRef idx="minor">
-          <a:schemeClr val="lt1"/>
-        </a:fontRef>
-      </dsp:style>
-    </dsp:sp>
-    <dsp:sp modelId="{60BD2EF1-153E-4FB7-8B82-F31117B7D786}">
-      <dsp:nvSpPr>
-        <dsp:cNvPr id="0" name=""/>
-        <dsp:cNvSpPr/>
-      </dsp:nvSpPr>
-      <dsp:spPr>
-        <a:xfrm>
-          <a:off x="1740935" y="3768902"/>
-          <a:ext cx="4410627" cy="1507303"/>
-        </a:xfrm>
-        <a:prstGeom prst="rect">
-          <a:avLst/>
-        </a:prstGeom>
-        <a:noFill/>
-        <a:ln>
-          <a:noFill/>
-        </a:ln>
-        <a:effectLst/>
-      </dsp:spPr>
-      <dsp:style>
-        <a:lnRef idx="0">
-          <a:scrgbClr r="0" g="0" b="0"/>
-        </a:lnRef>
-        <a:fillRef idx="0">
-          <a:scrgbClr r="0" g="0" b="0"/>
-        </a:fillRef>
-        <a:effectRef idx="0">
-          <a:scrgbClr r="0" g="0" b="0"/>
-        </a:effectRef>
-        <a:fontRef idx="minor"/>
-      </dsp:style>
-      <dsp:txBody>
-        <a:bodyPr spcFirstLastPara="0" vert="horz" wrap="square" lIns="159523" tIns="159523" rIns="159523" bIns="159523" numCol="1" spcCol="1270" anchor="ctr" anchorCtr="0">
-          <a:noAutofit/>
-        </a:bodyPr>
-        <a:lstStyle/>
-        <a:p>
-          <a:pPr marL="0" lvl="0" indent="0" algn="l" defTabSz="711200">
-            <a:lnSpc>
-              <a:spcPct val="100000"/>
-            </a:lnSpc>
-            <a:spcBef>
-              <a:spcPct val="0"/>
-            </a:spcBef>
-            <a:spcAft>
-              <a:spcPct val="35000"/>
-            </a:spcAft>
-            <a:buNone/>
-          </a:pPr>
-          <a:r>
-            <a:rPr lang="en-US" sz="1600" kern="1200" dirty="0"/>
-            <a:t>I still have some confusion surrounding the best way to assess models both against each other, and against the baseline, especially when using multi-class classification</a:t>
-          </a:r>
-        </a:p>
-      </dsp:txBody>
-      <dsp:txXfrm>
-        <a:off x="1740935" y="3768902"/>
-        <a:ext cx="4410627" cy="1507303"/>
+        <a:off x="1828428" y="2836306"/>
+        <a:ext cx="4323134" cy="1583055"/>
       </dsp:txXfrm>
     </dsp:sp>
   </dsp:spTree>
@@ -12098,7 +11846,7 @@
             <p:ph idx="1"/>
             <p:extLst>
               <p:ext uri="{D42A27DB-BD31-4B8C-83A1-F6EECF244321}">
-                <p14:modId xmlns:p14="http://schemas.microsoft.com/office/powerpoint/2010/main" val="2027665401"/>
+                <p14:modId xmlns:p14="http://schemas.microsoft.com/office/powerpoint/2010/main" val="876915747"/>
               </p:ext>
             </p:extLst>
           </p:nvPr>
